--- a/Graficas/modelos serofoi.pptx
+++ b/Graficas/modelos serofoi.pptx
@@ -130,6 +130,11 @@
       </a:defRPr>
     </a:lvl9pPr>
   </p:defaultTextStyle>
+  <p:extLst>
+    <p:ext uri="{EFAFB233-063F-42B5-8137-9DF3F51BA10A}">
+      <p15:sldGuideLst xmlns:p15="http://schemas.microsoft.com/office/powerpoint/2012/main"/>
+    </p:ext>
+  </p:extLst>
 </p:presentation>
 </file>
 
@@ -215,7 +220,7 @@
           <a:p>
             <a:fld id="{1EE367B1-7174-4AEA-A6AD-7662B53FA962}" type="datetimeFigureOut">
               <a:rPr lang="es-CO" smtClean="0"/>
-              <a:t>25/04/2024</a:t>
+              <a:t>29/04/2024</a:t>
             </a:fld>
             <a:endParaRPr lang="es-CO"/>
           </a:p>
@@ -483,6 +488,90 @@
 </p:notesMaster>
 </file>
 
+<file path=ppt/notesSlides/notesSlide1.xml><?xml version="1.0" encoding="utf-8"?>
+<p:notes xmlns:a="http://schemas.openxmlformats.org/drawingml/2006/main" xmlns:r="http://schemas.openxmlformats.org/officeDocument/2006/relationships" xmlns:p="http://schemas.openxmlformats.org/presentationml/2006/main">
+  <p:cSld>
+    <p:spTree>
+      <p:nvGrpSpPr>
+        <p:cNvPr id="1" name=""/>
+        <p:cNvGrpSpPr/>
+        <p:nvPr/>
+      </p:nvGrpSpPr>
+      <p:grpSpPr>
+        <a:xfrm>
+          <a:off x="0" y="0"/>
+          <a:ext cx="0" cy="0"/>
+          <a:chOff x="0" y="0"/>
+          <a:chExt cx="0" cy="0"/>
+        </a:xfrm>
+      </p:grpSpPr>
+      <p:sp>
+        <p:nvSpPr>
+          <p:cNvPr id="2" name="Marcador de imagen de diapositiva 1"/>
+          <p:cNvSpPr>
+            <a:spLocks noGrp="1" noRot="1" noChangeAspect="1"/>
+          </p:cNvSpPr>
+          <p:nvPr>
+            <p:ph type="sldImg"/>
+          </p:nvPr>
+        </p:nvSpPr>
+        <p:spPr/>
+      </p:sp>
+      <p:sp>
+        <p:nvSpPr>
+          <p:cNvPr id="3" name="Marcador de notas 2"/>
+          <p:cNvSpPr>
+            <a:spLocks noGrp="1"/>
+          </p:cNvSpPr>
+          <p:nvPr>
+            <p:ph type="body" idx="1"/>
+          </p:nvPr>
+        </p:nvSpPr>
+        <p:spPr/>
+        <p:txBody>
+          <a:bodyPr/>
+          <a:lstStyle/>
+          <a:p>
+            <a:endParaRPr lang="es-CO" dirty="0"/>
+          </a:p>
+        </p:txBody>
+      </p:sp>
+      <p:sp>
+        <p:nvSpPr>
+          <p:cNvPr id="4" name="Marcador de número de diapositiva 3"/>
+          <p:cNvSpPr>
+            <a:spLocks noGrp="1"/>
+          </p:cNvSpPr>
+          <p:nvPr>
+            <p:ph type="sldNum" sz="quarter" idx="5"/>
+          </p:nvPr>
+        </p:nvSpPr>
+        <p:spPr/>
+        <p:txBody>
+          <a:bodyPr/>
+          <a:lstStyle/>
+          <a:p>
+            <a:fld id="{5F8589C7-CC02-4E69-9A90-E7D777257FEC}" type="slidenum">
+              <a:rPr lang="es-CO" smtClean="0"/>
+              <a:t>1</a:t>
+            </a:fld>
+            <a:endParaRPr lang="es-CO"/>
+          </a:p>
+        </p:txBody>
+      </p:sp>
+    </p:spTree>
+    <p:extLst>
+      <p:ext uri="{BB962C8B-B14F-4D97-AF65-F5344CB8AC3E}">
+        <p14:creationId xmlns:p14="http://schemas.microsoft.com/office/powerpoint/2010/main" val="435889610"/>
+      </p:ext>
+    </p:extLst>
+  </p:cSld>
+  <p:clrMapOvr>
+    <a:masterClrMapping/>
+  </p:clrMapOvr>
+</p:notes>
+</file>
+
 <file path=ppt/slideLayouts/slideLayout1.xml><?xml version="1.0" encoding="utf-8"?>
 <p:sldLayout xmlns:a="http://schemas.openxmlformats.org/drawingml/2006/main" xmlns:r="http://schemas.openxmlformats.org/officeDocument/2006/relationships" xmlns:p="http://schemas.openxmlformats.org/presentationml/2006/main" type="title" preserve="1">
   <p:cSld name="Diapositiva de título">
@@ -632,7 +721,7 @@
           <a:p>
             <a:fld id="{61E3931A-D907-4E25-8A59-C1C814C0E223}" type="datetimeFigureOut">
               <a:rPr lang="es-CO" smtClean="0"/>
-              <a:t>25/04/2024</a:t>
+              <a:t>29/04/2024</a:t>
             </a:fld>
             <a:endParaRPr lang="es-CO"/>
           </a:p>
@@ -832,7 +921,7 @@
           <a:p>
             <a:fld id="{61E3931A-D907-4E25-8A59-C1C814C0E223}" type="datetimeFigureOut">
               <a:rPr lang="es-CO" smtClean="0"/>
-              <a:t>25/04/2024</a:t>
+              <a:t>29/04/2024</a:t>
             </a:fld>
             <a:endParaRPr lang="es-CO"/>
           </a:p>
@@ -1042,7 +1131,7 @@
           <a:p>
             <a:fld id="{61E3931A-D907-4E25-8A59-C1C814C0E223}" type="datetimeFigureOut">
               <a:rPr lang="es-CO" smtClean="0"/>
-              <a:t>25/04/2024</a:t>
+              <a:t>29/04/2024</a:t>
             </a:fld>
             <a:endParaRPr lang="es-CO"/>
           </a:p>
@@ -1242,7 +1331,7 @@
           <a:p>
             <a:fld id="{61E3931A-D907-4E25-8A59-C1C814C0E223}" type="datetimeFigureOut">
               <a:rPr lang="es-CO" smtClean="0"/>
-              <a:t>25/04/2024</a:t>
+              <a:t>29/04/2024</a:t>
             </a:fld>
             <a:endParaRPr lang="es-CO"/>
           </a:p>
@@ -1518,7 +1607,7 @@
           <a:p>
             <a:fld id="{61E3931A-D907-4E25-8A59-C1C814C0E223}" type="datetimeFigureOut">
               <a:rPr lang="es-CO" smtClean="0"/>
-              <a:t>25/04/2024</a:t>
+              <a:t>29/04/2024</a:t>
             </a:fld>
             <a:endParaRPr lang="es-CO"/>
           </a:p>
@@ -1786,7 +1875,7 @@
           <a:p>
             <a:fld id="{61E3931A-D907-4E25-8A59-C1C814C0E223}" type="datetimeFigureOut">
               <a:rPr lang="es-CO" smtClean="0"/>
-              <a:t>25/04/2024</a:t>
+              <a:t>29/04/2024</a:t>
             </a:fld>
             <a:endParaRPr lang="es-CO"/>
           </a:p>
@@ -2201,7 +2290,7 @@
           <a:p>
             <a:fld id="{61E3931A-D907-4E25-8A59-C1C814C0E223}" type="datetimeFigureOut">
               <a:rPr lang="es-CO" smtClean="0"/>
-              <a:t>25/04/2024</a:t>
+              <a:t>29/04/2024</a:t>
             </a:fld>
             <a:endParaRPr lang="es-CO"/>
           </a:p>
@@ -2343,7 +2432,7 @@
           <a:p>
             <a:fld id="{61E3931A-D907-4E25-8A59-C1C814C0E223}" type="datetimeFigureOut">
               <a:rPr lang="es-CO" smtClean="0"/>
-              <a:t>25/04/2024</a:t>
+              <a:t>29/04/2024</a:t>
             </a:fld>
             <a:endParaRPr lang="es-CO"/>
           </a:p>
@@ -2456,7 +2545,7 @@
           <a:p>
             <a:fld id="{61E3931A-D907-4E25-8A59-C1C814C0E223}" type="datetimeFigureOut">
               <a:rPr lang="es-CO" smtClean="0"/>
-              <a:t>25/04/2024</a:t>
+              <a:t>29/04/2024</a:t>
             </a:fld>
             <a:endParaRPr lang="es-CO"/>
           </a:p>
@@ -2769,7 +2858,7 @@
           <a:p>
             <a:fld id="{61E3931A-D907-4E25-8A59-C1C814C0E223}" type="datetimeFigureOut">
               <a:rPr lang="es-CO" smtClean="0"/>
-              <a:t>25/04/2024</a:t>
+              <a:t>29/04/2024</a:t>
             </a:fld>
             <a:endParaRPr lang="es-CO"/>
           </a:p>
@@ -3058,7 +3147,7 @@
           <a:p>
             <a:fld id="{61E3931A-D907-4E25-8A59-C1C814C0E223}" type="datetimeFigureOut">
               <a:rPr lang="es-CO" smtClean="0"/>
-              <a:t>25/04/2024</a:t>
+              <a:t>29/04/2024</a:t>
             </a:fld>
             <a:endParaRPr lang="es-CO"/>
           </a:p>
@@ -3301,7 +3390,7 @@
           <a:p>
             <a:fld id="{61E3931A-D907-4E25-8A59-C1C814C0E223}" type="datetimeFigureOut">
               <a:rPr lang="es-CO" smtClean="0"/>
-              <a:t>25/04/2024</a:t>
+              <a:t>29/04/2024</a:t>
             </a:fld>
             <a:endParaRPr lang="es-CO"/>
           </a:p>
@@ -3733,7 +3822,7 @@
           <p:nvPr/>
         </p:nvPicPr>
         <p:blipFill>
-          <a:blip r:embed="rId2"/>
+          <a:blip r:embed="rId3"/>
           <a:stretch>
             <a:fillRect/>
           </a:stretch>
